--- a/Building Web Applications in Django/week1/Assignment.pptx
+++ b/Building Web Applications in Django/week1/Assignment.pptx
@@ -121,6 +121,11 @@
       </a:defRPr>
     </a:lvl9pPr>
   </p:defaultTextStyle>
+  <p:extLst>
+    <p:ext uri="{EFAFB233-063F-42B5-8137-9DF3F51BA10A}">
+      <p15:sldGuideLst xmlns:p15="http://schemas.microsoft.com/office/powerpoint/2012/main"/>
+    </p:ext>
+  </p:extLst>
 </p:presentation>
 </file>
 
@@ -206,7 +211,7 @@
           <a:p>
             <a:fld id="{BB014D92-34C4-4A76-8CA0-B5B4E81835DA}" type="datetimeFigureOut">
               <a:rPr lang="en-US" smtClean="0"/>
-              <a:t>7/19/2021</a:t>
+              <a:t>7/25/2021</a:t>
             </a:fld>
             <a:endParaRPr lang="en-US"/>
           </a:p>
@@ -1035,7 +1040,7 @@
           <a:p>
             <a:fld id="{1D81838F-850D-4C64-B9D3-34B6AA24C848}" type="datetimeFigureOut">
               <a:rPr lang="en-US" smtClean="0"/>
-              <a:t>7/19/2021</a:t>
+              <a:t>7/25/2021</a:t>
             </a:fld>
             <a:endParaRPr lang="en-US"/>
           </a:p>
@@ -1233,7 +1238,7 @@
           <a:p>
             <a:fld id="{1D81838F-850D-4C64-B9D3-34B6AA24C848}" type="datetimeFigureOut">
               <a:rPr lang="en-US" smtClean="0"/>
-              <a:t>7/19/2021</a:t>
+              <a:t>7/25/2021</a:t>
             </a:fld>
             <a:endParaRPr lang="en-US"/>
           </a:p>
@@ -1441,7 +1446,7 @@
           <a:p>
             <a:fld id="{1D81838F-850D-4C64-B9D3-34B6AA24C848}" type="datetimeFigureOut">
               <a:rPr lang="en-US" smtClean="0"/>
-              <a:t>7/19/2021</a:t>
+              <a:t>7/25/2021</a:t>
             </a:fld>
             <a:endParaRPr lang="en-US"/>
           </a:p>
@@ -1639,7 +1644,7 @@
           <a:p>
             <a:fld id="{1D81838F-850D-4C64-B9D3-34B6AA24C848}" type="datetimeFigureOut">
               <a:rPr lang="en-US" smtClean="0"/>
-              <a:t>7/19/2021</a:t>
+              <a:t>7/25/2021</a:t>
             </a:fld>
             <a:endParaRPr lang="en-US"/>
           </a:p>
@@ -1914,7 +1919,7 @@
           <a:p>
             <a:fld id="{1D81838F-850D-4C64-B9D3-34B6AA24C848}" type="datetimeFigureOut">
               <a:rPr lang="en-US" smtClean="0"/>
-              <a:t>7/19/2021</a:t>
+              <a:t>7/25/2021</a:t>
             </a:fld>
             <a:endParaRPr lang="en-US"/>
           </a:p>
@@ -2179,7 +2184,7 @@
           <a:p>
             <a:fld id="{1D81838F-850D-4C64-B9D3-34B6AA24C848}" type="datetimeFigureOut">
               <a:rPr lang="en-US" smtClean="0"/>
-              <a:t>7/19/2021</a:t>
+              <a:t>7/25/2021</a:t>
             </a:fld>
             <a:endParaRPr lang="en-US"/>
           </a:p>
@@ -2591,7 +2596,7 @@
           <a:p>
             <a:fld id="{1D81838F-850D-4C64-B9D3-34B6AA24C848}" type="datetimeFigureOut">
               <a:rPr lang="en-US" smtClean="0"/>
-              <a:t>7/19/2021</a:t>
+              <a:t>7/25/2021</a:t>
             </a:fld>
             <a:endParaRPr lang="en-US"/>
           </a:p>
@@ -2732,7 +2737,7 @@
           <a:p>
             <a:fld id="{1D81838F-850D-4C64-B9D3-34B6AA24C848}" type="datetimeFigureOut">
               <a:rPr lang="en-US" smtClean="0"/>
-              <a:t>7/19/2021</a:t>
+              <a:t>7/25/2021</a:t>
             </a:fld>
             <a:endParaRPr lang="en-US"/>
           </a:p>
@@ -2845,7 +2850,7 @@
           <a:p>
             <a:fld id="{1D81838F-850D-4C64-B9D3-34B6AA24C848}" type="datetimeFigureOut">
               <a:rPr lang="en-US" smtClean="0"/>
-              <a:t>7/19/2021</a:t>
+              <a:t>7/25/2021</a:t>
             </a:fld>
             <a:endParaRPr lang="en-US"/>
           </a:p>
@@ -3156,7 +3161,7 @@
           <a:p>
             <a:fld id="{1D81838F-850D-4C64-B9D3-34B6AA24C848}" type="datetimeFigureOut">
               <a:rPr lang="en-US" smtClean="0"/>
-              <a:t>7/19/2021</a:t>
+              <a:t>7/25/2021</a:t>
             </a:fld>
             <a:endParaRPr lang="en-US"/>
           </a:p>
@@ -3444,7 +3449,7 @@
           <a:p>
             <a:fld id="{1D81838F-850D-4C64-B9D3-34B6AA24C848}" type="datetimeFigureOut">
               <a:rPr lang="en-US" smtClean="0"/>
-              <a:t>7/19/2021</a:t>
+              <a:t>7/25/2021</a:t>
             </a:fld>
             <a:endParaRPr lang="en-US"/>
           </a:p>
@@ -3685,7 +3690,7 @@
           <a:p>
             <a:fld id="{1D81838F-850D-4C64-B9D3-34B6AA24C848}" type="datetimeFigureOut">
               <a:rPr lang="en-US" smtClean="0"/>
-              <a:t>7/19/2021</a:t>
+              <a:t>7/25/2021</a:t>
             </a:fld>
             <a:endParaRPr lang="en-US"/>
           </a:p>
@@ -4309,7 +4314,7 @@
             </a:r>
             <a:r>
               <a:rPr lang="en-US" dirty="0" err="1"/>
-              <a:t>question_test</a:t>
+              <a:t>question_text</a:t>
             </a:r>
             <a:r>
               <a:rPr lang="en-US" dirty="0"/>

--- a/Building Web Applications in Django/week1/Assignment.pptx
+++ b/Building Web Applications in Django/week1/Assignment.pptx
@@ -211,7 +211,7 @@
           <a:p>
             <a:fld id="{BB014D92-34C4-4A76-8CA0-B5B4E81835DA}" type="datetimeFigureOut">
               <a:rPr lang="en-US" smtClean="0"/>
-              <a:t>7/25/2021</a:t>
+              <a:t>7/28/2021</a:t>
             </a:fld>
             <a:endParaRPr lang="en-US"/>
           </a:p>
@@ -1040,7 +1040,7 @@
           <a:p>
             <a:fld id="{1D81838F-850D-4C64-B9D3-34B6AA24C848}" type="datetimeFigureOut">
               <a:rPr lang="en-US" smtClean="0"/>
-              <a:t>7/25/2021</a:t>
+              <a:t>7/28/2021</a:t>
             </a:fld>
             <a:endParaRPr lang="en-US"/>
           </a:p>
@@ -1238,7 +1238,7 @@
           <a:p>
             <a:fld id="{1D81838F-850D-4C64-B9D3-34B6AA24C848}" type="datetimeFigureOut">
               <a:rPr lang="en-US" smtClean="0"/>
-              <a:t>7/25/2021</a:t>
+              <a:t>7/28/2021</a:t>
             </a:fld>
             <a:endParaRPr lang="en-US"/>
           </a:p>
@@ -1446,7 +1446,7 @@
           <a:p>
             <a:fld id="{1D81838F-850D-4C64-B9D3-34B6AA24C848}" type="datetimeFigureOut">
               <a:rPr lang="en-US" smtClean="0"/>
-              <a:t>7/25/2021</a:t>
+              <a:t>7/28/2021</a:t>
             </a:fld>
             <a:endParaRPr lang="en-US"/>
           </a:p>
@@ -1644,7 +1644,7 @@
           <a:p>
             <a:fld id="{1D81838F-850D-4C64-B9D3-34B6AA24C848}" type="datetimeFigureOut">
               <a:rPr lang="en-US" smtClean="0"/>
-              <a:t>7/25/2021</a:t>
+              <a:t>7/28/2021</a:t>
             </a:fld>
             <a:endParaRPr lang="en-US"/>
           </a:p>
@@ -1919,7 +1919,7 @@
           <a:p>
             <a:fld id="{1D81838F-850D-4C64-B9D3-34B6AA24C848}" type="datetimeFigureOut">
               <a:rPr lang="en-US" smtClean="0"/>
-              <a:t>7/25/2021</a:t>
+              <a:t>7/28/2021</a:t>
             </a:fld>
             <a:endParaRPr lang="en-US"/>
           </a:p>
@@ -2184,7 +2184,7 @@
           <a:p>
             <a:fld id="{1D81838F-850D-4C64-B9D3-34B6AA24C848}" type="datetimeFigureOut">
               <a:rPr lang="en-US" smtClean="0"/>
-              <a:t>7/25/2021</a:t>
+              <a:t>7/28/2021</a:t>
             </a:fld>
             <a:endParaRPr lang="en-US"/>
           </a:p>
@@ -2596,7 +2596,7 @@
           <a:p>
             <a:fld id="{1D81838F-850D-4C64-B9D3-34B6AA24C848}" type="datetimeFigureOut">
               <a:rPr lang="en-US" smtClean="0"/>
-              <a:t>7/25/2021</a:t>
+              <a:t>7/28/2021</a:t>
             </a:fld>
             <a:endParaRPr lang="en-US"/>
           </a:p>
@@ -2737,7 +2737,7 @@
           <a:p>
             <a:fld id="{1D81838F-850D-4C64-B9D3-34B6AA24C848}" type="datetimeFigureOut">
               <a:rPr lang="en-US" smtClean="0"/>
-              <a:t>7/25/2021</a:t>
+              <a:t>7/28/2021</a:t>
             </a:fld>
             <a:endParaRPr lang="en-US"/>
           </a:p>
@@ -2850,7 +2850,7 @@
           <a:p>
             <a:fld id="{1D81838F-850D-4C64-B9D3-34B6AA24C848}" type="datetimeFigureOut">
               <a:rPr lang="en-US" smtClean="0"/>
-              <a:t>7/25/2021</a:t>
+              <a:t>7/28/2021</a:t>
             </a:fld>
             <a:endParaRPr lang="en-US"/>
           </a:p>
@@ -3161,7 +3161,7 @@
           <a:p>
             <a:fld id="{1D81838F-850D-4C64-B9D3-34B6AA24C848}" type="datetimeFigureOut">
               <a:rPr lang="en-US" smtClean="0"/>
-              <a:t>7/25/2021</a:t>
+              <a:t>7/28/2021</a:t>
             </a:fld>
             <a:endParaRPr lang="en-US"/>
           </a:p>
@@ -3449,7 +3449,7 @@
           <a:p>
             <a:fld id="{1D81838F-850D-4C64-B9D3-34B6AA24C848}" type="datetimeFigureOut">
               <a:rPr lang="en-US" smtClean="0"/>
-              <a:t>7/25/2021</a:t>
+              <a:t>7/28/2021</a:t>
             </a:fld>
             <a:endParaRPr lang="en-US"/>
           </a:p>
@@ -3690,7 +3690,7 @@
           <a:p>
             <a:fld id="{1D81838F-850D-4C64-B9D3-34B6AA24C848}" type="datetimeFigureOut">
               <a:rPr lang="en-US" smtClean="0"/>
-              <a:t>7/25/2021</a:t>
+              <a:t>7/28/2021</a:t>
             </a:fld>
             <a:endParaRPr lang="en-US"/>
           </a:p>
